--- a/t-04-queue-and-stack/תרגול 4.pptx
+++ b/t-04-queue-and-stack/תרגול 4.pptx
@@ -5,7 +5,7 @@
     <p:sldMasterId id="2147483648" r:id="rId1"/>
   </p:sldMasterIdLst>
   <p:notesMasterIdLst>
-    <p:notesMasterId r:id="rId20"/>
+    <p:notesMasterId r:id="rId21"/>
   </p:notesMasterIdLst>
   <p:sldIdLst>
     <p:sldId id="257" r:id="rId2"/>
@@ -24,8 +24,9 @@
     <p:sldId id="273" r:id="rId15"/>
     <p:sldId id="274" r:id="rId16"/>
     <p:sldId id="275" r:id="rId17"/>
-    <p:sldId id="277" r:id="rId18"/>
-    <p:sldId id="259" r:id="rId19"/>
+    <p:sldId id="280" r:id="rId18"/>
+    <p:sldId id="277" r:id="rId19"/>
+    <p:sldId id="259" r:id="rId20"/>
   </p:sldIdLst>
   <p:sldSz cx="12192000" cy="6858000"/>
   <p:notesSz cx="6858000" cy="9144000"/>
@@ -214,7 +215,7 @@
           <a:p>
             <a:fld id="{C267593B-B963-47D8-A2A4-BA759CBCEAC5}" type="datetimeFigureOut">
               <a:rPr lang="en-US" smtClean="0"/>
-              <a:t>11/24/24</a:t>
+              <a:t>11/17/25</a:t>
             </a:fld>
             <a:endParaRPr lang="en-US"/>
           </a:p>
@@ -1136,6 +1137,114 @@
   <p:cSld>
     <p:spTree>
       <p:nvGrpSpPr>
+        <p:cNvPr id="1" name="">
+          <a:extLst>
+            <a:ext uri="{FF2B5EF4-FFF2-40B4-BE49-F238E27FC236}">
+              <a16:creationId xmlns:a16="http://schemas.microsoft.com/office/drawing/2014/main" id="{140BC809-AB32-4FA4-3E81-69FEC54BC219}"/>
+            </a:ext>
+          </a:extLst>
+        </p:cNvPr>
+        <p:cNvGrpSpPr/>
+        <p:nvPr/>
+      </p:nvGrpSpPr>
+      <p:grpSpPr>
+        <a:xfrm>
+          <a:off x="0" y="0"/>
+          <a:ext cx="0" cy="0"/>
+          <a:chOff x="0" y="0"/>
+          <a:chExt cx="0" cy="0"/>
+        </a:xfrm>
+      </p:grpSpPr>
+      <p:sp>
+        <p:nvSpPr>
+          <p:cNvPr id="2" name="Slide Image Placeholder 1">
+            <a:extLst>
+              <a:ext uri="{FF2B5EF4-FFF2-40B4-BE49-F238E27FC236}">
+                <a16:creationId xmlns:a16="http://schemas.microsoft.com/office/drawing/2014/main" id="{C61B2F33-887E-24CB-E130-BF03669CD0CE}"/>
+              </a:ext>
+            </a:extLst>
+          </p:cNvPr>
+          <p:cNvSpPr>
+            <a:spLocks noGrp="1" noRot="1" noChangeAspect="1"/>
+          </p:cNvSpPr>
+          <p:nvPr>
+            <p:ph type="sldImg"/>
+          </p:nvPr>
+        </p:nvSpPr>
+        <p:spPr/>
+      </p:sp>
+      <p:sp>
+        <p:nvSpPr>
+          <p:cNvPr id="3" name="Notes Placeholder 2">
+            <a:extLst>
+              <a:ext uri="{FF2B5EF4-FFF2-40B4-BE49-F238E27FC236}">
+                <a16:creationId xmlns:a16="http://schemas.microsoft.com/office/drawing/2014/main" id="{945E559F-B550-9869-EF86-6483DC67E956}"/>
+              </a:ext>
+            </a:extLst>
+          </p:cNvPr>
+          <p:cNvSpPr>
+            <a:spLocks noGrp="1"/>
+          </p:cNvSpPr>
+          <p:nvPr>
+            <p:ph type="body" idx="1"/>
+          </p:nvPr>
+        </p:nvSpPr>
+        <p:spPr/>
+        <p:txBody>
+          <a:bodyPr/>
+          <a:lstStyle/>
+          <a:p>
+            <a:endParaRPr lang="en-US" b="0" dirty="0"/>
+          </a:p>
+        </p:txBody>
+      </p:sp>
+      <p:sp>
+        <p:nvSpPr>
+          <p:cNvPr id="4" name="Slide Number Placeholder 3">
+            <a:extLst>
+              <a:ext uri="{FF2B5EF4-FFF2-40B4-BE49-F238E27FC236}">
+                <a16:creationId xmlns:a16="http://schemas.microsoft.com/office/drawing/2014/main" id="{79EBD720-0CBF-F85E-6D1D-E1C5F4DDAEB7}"/>
+              </a:ext>
+            </a:extLst>
+          </p:cNvPr>
+          <p:cNvSpPr>
+            <a:spLocks noGrp="1"/>
+          </p:cNvSpPr>
+          <p:nvPr>
+            <p:ph type="sldNum" sz="quarter" idx="5"/>
+          </p:nvPr>
+        </p:nvSpPr>
+        <p:spPr/>
+        <p:txBody>
+          <a:bodyPr/>
+          <a:lstStyle/>
+          <a:p>
+            <a:fld id="{72391380-8262-4EC7-BAB8-26F58A320275}" type="slidenum">
+              <a:rPr lang="en-US" smtClean="0"/>
+              <a:t>17</a:t>
+            </a:fld>
+            <a:endParaRPr lang="en-US"/>
+          </a:p>
+        </p:txBody>
+      </p:sp>
+    </p:spTree>
+    <p:extLst>
+      <p:ext uri="{BB962C8B-B14F-4D97-AF65-F5344CB8AC3E}">
+        <p14:creationId xmlns:p14="http://schemas.microsoft.com/office/powerpoint/2010/main" val="1176764345"/>
+      </p:ext>
+    </p:extLst>
+  </p:cSld>
+  <p:clrMapOvr>
+    <a:masterClrMapping/>
+  </p:clrMapOvr>
+</p:notes>
+</file>
+
+<file path=ppt/notesSlides/notesSlide14.xml><?xml version="1.0" encoding="utf-8"?>
+<p:notes xmlns:a="http://schemas.openxmlformats.org/drawingml/2006/main" xmlns:r="http://schemas.openxmlformats.org/officeDocument/2006/relationships" xmlns:p="http://schemas.openxmlformats.org/presentationml/2006/main">
+  <p:cSld>
+    <p:spTree>
+      <p:nvGrpSpPr>
         <p:cNvPr id="1" name=""/>
         <p:cNvGrpSpPr/>
         <p:nvPr/>
@@ -1196,7 +1305,7 @@
           <a:p>
             <a:fld id="{72391380-8262-4EC7-BAB8-26F58A320275}" type="slidenum">
               <a:rPr lang="en-US" smtClean="0"/>
-              <a:t>17</a:t>
+              <a:t>18</a:t>
             </a:fld>
             <a:endParaRPr lang="en-US"/>
           </a:p>
@@ -2166,7 +2275,7 @@
           <a:p>
             <a:fld id="{9FBD9C55-7868-4FF1-8666-2EC1F88A96B2}" type="datetimeFigureOut">
               <a:rPr lang="he-IL" smtClean="0"/>
-              <a:t>כ"ג.חשון.תשפ"ה</a:t>
+              <a:t>כ"ו.חשון.תשפ"ו</a:t>
             </a:fld>
             <a:endParaRPr lang="he-IL"/>
           </a:p>
@@ -2364,7 +2473,7 @@
           <a:p>
             <a:fld id="{9FBD9C55-7868-4FF1-8666-2EC1F88A96B2}" type="datetimeFigureOut">
               <a:rPr lang="he-IL" smtClean="0"/>
-              <a:t>כ"ג.חשון.תשפ"ה</a:t>
+              <a:t>כ"ו.חשון.תשפ"ו</a:t>
             </a:fld>
             <a:endParaRPr lang="he-IL"/>
           </a:p>
@@ -2572,7 +2681,7 @@
           <a:p>
             <a:fld id="{9FBD9C55-7868-4FF1-8666-2EC1F88A96B2}" type="datetimeFigureOut">
               <a:rPr lang="he-IL" smtClean="0"/>
-              <a:t>כ"ג.חשון.תשפ"ה</a:t>
+              <a:t>כ"ו.חשון.תשפ"ו</a:t>
             </a:fld>
             <a:endParaRPr lang="he-IL"/>
           </a:p>
@@ -2770,7 +2879,7 @@
           <a:p>
             <a:fld id="{9FBD9C55-7868-4FF1-8666-2EC1F88A96B2}" type="datetimeFigureOut">
               <a:rPr lang="he-IL" smtClean="0"/>
-              <a:t>כ"ג.חשון.תשפ"ה</a:t>
+              <a:t>כ"ו.חשון.תשפ"ו</a:t>
             </a:fld>
             <a:endParaRPr lang="he-IL"/>
           </a:p>
@@ -3045,7 +3154,7 @@
           <a:p>
             <a:fld id="{9FBD9C55-7868-4FF1-8666-2EC1F88A96B2}" type="datetimeFigureOut">
               <a:rPr lang="he-IL" smtClean="0"/>
-              <a:t>כ"ג.חשון.תשפ"ה</a:t>
+              <a:t>כ"ו.חשון.תשפ"ו</a:t>
             </a:fld>
             <a:endParaRPr lang="he-IL"/>
           </a:p>
@@ -3310,7 +3419,7 @@
           <a:p>
             <a:fld id="{9FBD9C55-7868-4FF1-8666-2EC1F88A96B2}" type="datetimeFigureOut">
               <a:rPr lang="he-IL" smtClean="0"/>
-              <a:t>כ"ג.חשון.תשפ"ה</a:t>
+              <a:t>כ"ו.חשון.תשפ"ו</a:t>
             </a:fld>
             <a:endParaRPr lang="he-IL"/>
           </a:p>
@@ -3722,7 +3831,7 @@
           <a:p>
             <a:fld id="{9FBD9C55-7868-4FF1-8666-2EC1F88A96B2}" type="datetimeFigureOut">
               <a:rPr lang="he-IL" smtClean="0"/>
-              <a:t>כ"ג.חשון.תשפ"ה</a:t>
+              <a:t>כ"ו.חשון.תשפ"ו</a:t>
             </a:fld>
             <a:endParaRPr lang="he-IL"/>
           </a:p>
@@ -3863,7 +3972,7 @@
           <a:p>
             <a:fld id="{9FBD9C55-7868-4FF1-8666-2EC1F88A96B2}" type="datetimeFigureOut">
               <a:rPr lang="he-IL" smtClean="0"/>
-              <a:t>כ"ג.חשון.תשפ"ה</a:t>
+              <a:t>כ"ו.חשון.תשפ"ו</a:t>
             </a:fld>
             <a:endParaRPr lang="he-IL"/>
           </a:p>
@@ -3976,7 +4085,7 @@
           <a:p>
             <a:fld id="{9FBD9C55-7868-4FF1-8666-2EC1F88A96B2}" type="datetimeFigureOut">
               <a:rPr lang="he-IL" smtClean="0"/>
-              <a:t>כ"ג.חשון.תשפ"ה</a:t>
+              <a:t>כ"ו.חשון.תשפ"ו</a:t>
             </a:fld>
             <a:endParaRPr lang="he-IL"/>
           </a:p>
@@ -4287,7 +4396,7 @@
           <a:p>
             <a:fld id="{9FBD9C55-7868-4FF1-8666-2EC1F88A96B2}" type="datetimeFigureOut">
               <a:rPr lang="he-IL" smtClean="0"/>
-              <a:t>כ"ג.חשון.תשפ"ה</a:t>
+              <a:t>כ"ו.חשון.תשפ"ו</a:t>
             </a:fld>
             <a:endParaRPr lang="he-IL"/>
           </a:p>
@@ -4575,7 +4684,7 @@
           <a:p>
             <a:fld id="{9FBD9C55-7868-4FF1-8666-2EC1F88A96B2}" type="datetimeFigureOut">
               <a:rPr lang="he-IL" smtClean="0"/>
-              <a:t>כ"ג.חשון.תשפ"ה</a:t>
+              <a:t>כ"ו.חשון.תשפ"ו</a:t>
             </a:fld>
             <a:endParaRPr lang="he-IL"/>
           </a:p>
@@ -4816,7 +4925,7 @@
           <a:p>
             <a:fld id="{9FBD9C55-7868-4FF1-8666-2EC1F88A96B2}" type="datetimeFigureOut">
               <a:rPr lang="he-IL" smtClean="0"/>
-              <a:t>כ"ג.חשון.תשפ"ה</a:t>
+              <a:t>כ"ו.חשון.תשפ"ו</a:t>
             </a:fld>
             <a:endParaRPr lang="he-IL"/>
           </a:p>
@@ -5749,11 +5858,7 @@
             </a:pPr>
             <a:r>
               <a:rPr lang="en-US" b="1" dirty="0"/>
-              <a:t>	</a:t>
-            </a:r>
-            <a:r>
-              <a:rPr lang="en-US" dirty="0"/>
-              <a:t>create(Stack)</a:t>
+              <a:t>	create(Stack)</a:t>
             </a:r>
           </a:p>
           <a:p>
@@ -5763,7 +5868,7 @@
               </a:lnSpc>
             </a:pPr>
             <a:r>
-              <a:rPr lang="en-US" dirty="0"/>
+              <a:rPr lang="en-US" b="1" dirty="0"/>
               <a:t>	while n &gt; 0 do</a:t>
             </a:r>
           </a:p>
@@ -5774,8 +5879,12 @@
               </a:lnSpc>
             </a:pPr>
             <a:r>
+              <a:rPr lang="en-US" b="1" dirty="0"/>
+              <a:t>		digit = n mod 10   </a:t>
+            </a:r>
+            <a:r>
               <a:rPr lang="en-US" dirty="0"/>
-              <a:t>		digit = n mod 10   // Take the last digit of n</a:t>
+              <a:t>// Take the last digit of n</a:t>
             </a:r>
           </a:p>
           <a:p>
@@ -5785,8 +5894,12 @@
               </a:lnSpc>
             </a:pPr>
             <a:r>
+              <a:rPr lang="en-US" b="1" dirty="0"/>
+              <a:t>		push(Stack, digit)  </a:t>
+            </a:r>
+            <a:r>
               <a:rPr lang="en-US" dirty="0"/>
-              <a:t>		push(Stack, digit)  // Push the digit onto the stack</a:t>
+              <a:t>// Push the digit onto the stack</a:t>
             </a:r>
           </a:p>
           <a:p>
@@ -5796,8 +5909,12 @@
               </a:lnSpc>
             </a:pPr>
             <a:r>
+              <a:rPr lang="en-US" b="1" dirty="0"/>
+              <a:t>		n = n / 10         </a:t>
+            </a:r>
+            <a:r>
               <a:rPr lang="en-US" dirty="0"/>
-              <a:t>		n = n / 10         // Remove the last digit from n</a:t>
+              <a:t>// Remove the last digit from n</a:t>
             </a:r>
           </a:p>
           <a:p>
@@ -5807,7 +5924,7 @@
               </a:lnSpc>
             </a:pPr>
             <a:r>
-              <a:rPr lang="en-US" dirty="0"/>
+              <a:rPr lang="en-US" b="1" dirty="0"/>
               <a:t>   	reversed = 0</a:t>
             </a:r>
           </a:p>
@@ -5818,15 +5935,15 @@
               </a:lnSpc>
             </a:pPr>
             <a:r>
-              <a:rPr lang="en-US" dirty="0"/>
+              <a:rPr lang="en-US" b="1" dirty="0"/>
               <a:t>  	 while not </a:t>
             </a:r>
             <a:r>
-              <a:rPr lang="en-US" dirty="0" err="1"/>
+              <a:rPr lang="en-US" b="1" dirty="0" err="1"/>
               <a:t>Stack_empty</a:t>
             </a:r>
             <a:r>
-              <a:rPr lang="en-US" dirty="0"/>
+              <a:rPr lang="en-US" b="1" dirty="0"/>
               <a:t>(Stack) do</a:t>
             </a:r>
           </a:p>
@@ -5837,7 +5954,7 @@
               </a:lnSpc>
             </a:pPr>
             <a:r>
-              <a:rPr lang="en-US" dirty="0"/>
+              <a:rPr lang="en-US" b="1" dirty="0"/>
               <a:t>     		 digit = pop(Stack)</a:t>
             </a:r>
           </a:p>
@@ -5848,7 +5965,7 @@
               </a:lnSpc>
             </a:pPr>
             <a:r>
-              <a:rPr lang="en-US" dirty="0"/>
+              <a:rPr lang="en-US" b="1" dirty="0"/>
               <a:t>      		reversed = reversed * 10 + digit</a:t>
             </a:r>
           </a:p>
@@ -5859,7 +5976,7 @@
               </a:lnSpc>
             </a:pPr>
             <a:r>
-              <a:rPr lang="en-US" dirty="0"/>
+              <a:rPr lang="en-US" b="1" dirty="0"/>
               <a:t>   	return reversed</a:t>
             </a:r>
           </a:p>
@@ -9121,7 +9238,7 @@
                 <a:latin typeface="Garamond"/>
                 <a:cs typeface="Arial"/>
               </a:rPr>
-              <a:t>5</a:t>
+              <a:t>5 א׳</a:t>
             </a:r>
             <a:endParaRPr kumimoji="0" lang="en-US" altLang="he-IL" sz="4200" b="1" i="0" u="none" strike="noStrike" kern="0" cap="none" spc="0" normalizeH="0" baseline="0" noProof="0" dirty="0">
               <a:ln>
@@ -9243,6 +9360,767 @@
     </p:bg>
     <p:spTree>
       <p:nvGrpSpPr>
+        <p:cNvPr id="1" name="">
+          <a:extLst>
+            <a:ext uri="{FF2B5EF4-FFF2-40B4-BE49-F238E27FC236}">
+              <a16:creationId xmlns:a16="http://schemas.microsoft.com/office/drawing/2014/main" id="{5C55F78D-FF99-1BDF-E276-02BF1266A0D2}"/>
+            </a:ext>
+          </a:extLst>
+        </p:cNvPr>
+        <p:cNvGrpSpPr/>
+        <p:nvPr/>
+      </p:nvGrpSpPr>
+      <p:grpSpPr>
+        <a:xfrm>
+          <a:off x="0" y="0"/>
+          <a:ext cx="0" cy="0"/>
+          <a:chOff x="0" y="0"/>
+          <a:chExt cx="0" cy="0"/>
+        </a:xfrm>
+      </p:grpSpPr>
+      <p:sp>
+        <p:nvSpPr>
+          <p:cNvPr id="20" name="Rectangle 2">
+            <a:extLst>
+              <a:ext uri="{FF2B5EF4-FFF2-40B4-BE49-F238E27FC236}">
+                <a16:creationId xmlns:a16="http://schemas.microsoft.com/office/drawing/2014/main" id="{5EC6A337-EF50-F010-1EE8-F794C5561446}"/>
+              </a:ext>
+            </a:extLst>
+          </p:cNvPr>
+          <p:cNvSpPr txBox="1">
+            <a:spLocks noChangeArrowheads="1"/>
+          </p:cNvSpPr>
+          <p:nvPr/>
+        </p:nvSpPr>
+        <p:spPr bwMode="auto">
+          <a:xfrm>
+            <a:off x="3287209" y="258329"/>
+            <a:ext cx="8229600" cy="826818"/>
+          </a:xfrm>
+          <a:prstGeom prst="rect">
+            <a:avLst/>
+          </a:prstGeom>
+          <a:noFill/>
+          <a:ln>
+            <a:noFill/>
+          </a:ln>
+          <a:effectLst/>
+          <a:extLst>
+            <a:ext uri="{909E8E84-426E-40DD-AFC4-6F175D3DCCD1}">
+              <a14:hiddenFill xmlns:a14="http://schemas.microsoft.com/office/drawing/2010/main">
+                <a:solidFill>
+                  <a:schemeClr val="accent1"/>
+                </a:solidFill>
+              </a14:hiddenFill>
+            </a:ext>
+            <a:ext uri="{91240B29-F687-4F45-9708-019B960494DF}">
+              <a14:hiddenLine xmlns:a14="http://schemas.microsoft.com/office/drawing/2010/main" w="9525">
+                <a:solidFill>
+                  <a:schemeClr val="tx1"/>
+                </a:solidFill>
+                <a:miter lim="800000"/>
+                <a:headEnd/>
+                <a:tailEnd/>
+              </a14:hiddenLine>
+            </a:ext>
+            <a:ext uri="{AF507438-7753-43E0-B8FC-AC1667EBCBE1}">
+              <a14:hiddenEffects xmlns:a14="http://schemas.microsoft.com/office/drawing/2010/main">
+                <a:effectLst>
+                  <a:outerShdw dist="35921" dir="2700000" algn="ctr" rotWithShape="0">
+                    <a:schemeClr val="bg2"/>
+                  </a:outerShdw>
+                </a:effectLst>
+              </a14:hiddenEffects>
+            </a:ext>
+          </a:extLst>
+        </p:spPr>
+        <p:txBody>
+          <a:bodyPr vert="horz" wrap="square" lIns="91440" tIns="45720" rIns="91440" bIns="45720" numCol="1" anchor="t" anchorCtr="0" compatLnSpc="1">
+            <a:prstTxWarp prst="textNoShape">
+              <a:avLst/>
+            </a:prstTxWarp>
+          </a:bodyPr>
+          <a:lstStyle>
+            <a:lvl1pPr algn="l" rtl="1" eaLnBrk="0" fontAlgn="base" hangingPunct="0">
+              <a:spcBef>
+                <a:spcPct val="0"/>
+              </a:spcBef>
+              <a:spcAft>
+                <a:spcPct val="0"/>
+              </a:spcAft>
+              <a:defRPr sz="4200">
+                <a:solidFill>
+                  <a:schemeClr val="tx2"/>
+                </a:solidFill>
+                <a:latin typeface="+mj-lt"/>
+                <a:ea typeface="+mj-ea"/>
+                <a:cs typeface="+mj-cs"/>
+              </a:defRPr>
+            </a:lvl1pPr>
+            <a:lvl2pPr algn="l" rtl="1" eaLnBrk="0" fontAlgn="base" hangingPunct="0">
+              <a:spcBef>
+                <a:spcPct val="0"/>
+              </a:spcBef>
+              <a:spcAft>
+                <a:spcPct val="0"/>
+              </a:spcAft>
+              <a:defRPr sz="4200">
+                <a:solidFill>
+                  <a:schemeClr val="tx2"/>
+                </a:solidFill>
+                <a:latin typeface="Garamond" pitchFamily="18" charset="0"/>
+                <a:cs typeface="Arial" pitchFamily="34" charset="0"/>
+              </a:defRPr>
+            </a:lvl2pPr>
+            <a:lvl3pPr algn="l" rtl="1" eaLnBrk="0" fontAlgn="base" hangingPunct="0">
+              <a:spcBef>
+                <a:spcPct val="0"/>
+              </a:spcBef>
+              <a:spcAft>
+                <a:spcPct val="0"/>
+              </a:spcAft>
+              <a:defRPr sz="4200">
+                <a:solidFill>
+                  <a:schemeClr val="tx2"/>
+                </a:solidFill>
+                <a:latin typeface="Garamond" pitchFamily="18" charset="0"/>
+                <a:cs typeface="Arial" pitchFamily="34" charset="0"/>
+              </a:defRPr>
+            </a:lvl3pPr>
+            <a:lvl4pPr algn="l" rtl="1" eaLnBrk="0" fontAlgn="base" hangingPunct="0">
+              <a:spcBef>
+                <a:spcPct val="0"/>
+              </a:spcBef>
+              <a:spcAft>
+                <a:spcPct val="0"/>
+              </a:spcAft>
+              <a:defRPr sz="4200">
+                <a:solidFill>
+                  <a:schemeClr val="tx2"/>
+                </a:solidFill>
+                <a:latin typeface="Garamond" pitchFamily="18" charset="0"/>
+                <a:cs typeface="Arial" pitchFamily="34" charset="0"/>
+              </a:defRPr>
+            </a:lvl4pPr>
+            <a:lvl5pPr algn="l" rtl="1" eaLnBrk="0" fontAlgn="base" hangingPunct="0">
+              <a:spcBef>
+                <a:spcPct val="0"/>
+              </a:spcBef>
+              <a:spcAft>
+                <a:spcPct val="0"/>
+              </a:spcAft>
+              <a:defRPr sz="4200">
+                <a:solidFill>
+                  <a:schemeClr val="tx2"/>
+                </a:solidFill>
+                <a:latin typeface="Garamond" pitchFamily="18" charset="0"/>
+                <a:cs typeface="Arial" pitchFamily="34" charset="0"/>
+              </a:defRPr>
+            </a:lvl5pPr>
+            <a:lvl6pPr marL="457200" algn="l" rtl="1" fontAlgn="base">
+              <a:spcBef>
+                <a:spcPct val="0"/>
+              </a:spcBef>
+              <a:spcAft>
+                <a:spcPct val="0"/>
+              </a:spcAft>
+              <a:defRPr sz="4200">
+                <a:solidFill>
+                  <a:schemeClr val="tx2"/>
+                </a:solidFill>
+                <a:latin typeface="Garamond" pitchFamily="18" charset="0"/>
+                <a:cs typeface="Arial" pitchFamily="34" charset="0"/>
+              </a:defRPr>
+            </a:lvl6pPr>
+            <a:lvl7pPr marL="914400" algn="l" rtl="1" fontAlgn="base">
+              <a:spcBef>
+                <a:spcPct val="0"/>
+              </a:spcBef>
+              <a:spcAft>
+                <a:spcPct val="0"/>
+              </a:spcAft>
+              <a:defRPr sz="4200">
+                <a:solidFill>
+                  <a:schemeClr val="tx2"/>
+                </a:solidFill>
+                <a:latin typeface="Garamond" pitchFamily="18" charset="0"/>
+                <a:cs typeface="Arial" pitchFamily="34" charset="0"/>
+              </a:defRPr>
+            </a:lvl7pPr>
+            <a:lvl8pPr marL="1371600" algn="l" rtl="1" fontAlgn="base">
+              <a:spcBef>
+                <a:spcPct val="0"/>
+              </a:spcBef>
+              <a:spcAft>
+                <a:spcPct val="0"/>
+              </a:spcAft>
+              <a:defRPr sz="4200">
+                <a:solidFill>
+                  <a:schemeClr val="tx2"/>
+                </a:solidFill>
+                <a:latin typeface="Garamond" pitchFamily="18" charset="0"/>
+                <a:cs typeface="Arial" pitchFamily="34" charset="0"/>
+              </a:defRPr>
+            </a:lvl8pPr>
+            <a:lvl9pPr marL="1828800" algn="l" rtl="1" fontAlgn="base">
+              <a:spcBef>
+                <a:spcPct val="0"/>
+              </a:spcBef>
+              <a:spcAft>
+                <a:spcPct val="0"/>
+              </a:spcAft>
+              <a:defRPr sz="4200">
+                <a:solidFill>
+                  <a:schemeClr val="tx2"/>
+                </a:solidFill>
+                <a:latin typeface="Garamond" pitchFamily="18" charset="0"/>
+                <a:cs typeface="Arial" pitchFamily="34" charset="0"/>
+              </a:defRPr>
+            </a:lvl9pPr>
+          </a:lstStyle>
+          <a:p>
+            <a:pPr marL="0" marR="0" lvl="0" indent="0" algn="r" defTabSz="914400" rtl="1" eaLnBrk="1" fontAlgn="base" latinLnBrk="0" hangingPunct="1">
+              <a:lnSpc>
+                <a:spcPct val="100000"/>
+              </a:lnSpc>
+              <a:spcBef>
+                <a:spcPct val="0"/>
+              </a:spcBef>
+              <a:spcAft>
+                <a:spcPct val="0"/>
+              </a:spcAft>
+              <a:buClrTx/>
+              <a:buSzTx/>
+              <a:buFontTx/>
+              <a:buNone/>
+              <a:tabLst/>
+              <a:defRPr/>
+            </a:pPr>
+            <a:r>
+              <a:rPr lang="he-IL" altLang="he-IL" b="1" kern="0" dirty="0">
+                <a:solidFill>
+                  <a:srgbClr val="006633"/>
+                </a:solidFill>
+                <a:latin typeface="Garamond"/>
+                <a:cs typeface="Arial"/>
+              </a:rPr>
+              <a:t>פתרון תרגיל </a:t>
+            </a:r>
+            <a:r>
+              <a:rPr kumimoji="0" lang="he-IL" altLang="he-IL" sz="4200" b="1" i="0" u="none" strike="noStrike" kern="0" cap="none" spc="0" normalizeH="0" baseline="0" noProof="0" dirty="0">
+                <a:ln>
+                  <a:noFill/>
+                </a:ln>
+                <a:solidFill>
+                  <a:srgbClr val="006633"/>
+                </a:solidFill>
+                <a:effectLst/>
+                <a:uLnTx/>
+                <a:uFillTx/>
+                <a:latin typeface="Garamond"/>
+                <a:cs typeface="Arial"/>
+              </a:rPr>
+              <a:t>5 ב׳</a:t>
+            </a:r>
+            <a:endParaRPr kumimoji="0" lang="en-US" altLang="he-IL" sz="4200" b="1" i="0" u="none" strike="noStrike" kern="0" cap="none" spc="0" normalizeH="0" baseline="0" noProof="0" dirty="0">
+              <a:ln>
+                <a:noFill/>
+              </a:ln>
+              <a:solidFill>
+                <a:srgbClr val="006633"/>
+              </a:solidFill>
+              <a:effectLst/>
+              <a:uLnTx/>
+              <a:uFillTx/>
+              <a:latin typeface="Garamond"/>
+              <a:cs typeface="Arial"/>
+            </a:endParaRPr>
+          </a:p>
+        </p:txBody>
+      </p:sp>
+      <p:sp>
+        <p:nvSpPr>
+          <p:cNvPr id="2" name="TextBox 1">
+            <a:extLst>
+              <a:ext uri="{FF2B5EF4-FFF2-40B4-BE49-F238E27FC236}">
+                <a16:creationId xmlns:a16="http://schemas.microsoft.com/office/drawing/2014/main" id="{7D361548-FE96-C960-655A-481CAE28D442}"/>
+              </a:ext>
+            </a:extLst>
+          </p:cNvPr>
+          <p:cNvSpPr txBox="1"/>
+          <p:nvPr/>
+        </p:nvSpPr>
+        <p:spPr>
+          <a:xfrm>
+            <a:off x="1028896" y="1463942"/>
+            <a:ext cx="7278196" cy="4524637"/>
+          </a:xfrm>
+          <a:prstGeom prst="rect">
+            <a:avLst/>
+          </a:prstGeom>
+          <a:noFill/>
+        </p:spPr>
+        <p:txBody>
+          <a:bodyPr wrap="square">
+            <a:spAutoFit/>
+          </a:bodyPr>
+          <a:lstStyle/>
+          <a:p>
+            <a:pPr marL="0" marR="0" algn="l" defTabSz="914400" rtl="0" eaLnBrk="1" latinLnBrk="0" hangingPunct="1">
+              <a:lnSpc>
+                <a:spcPct val="107000"/>
+              </a:lnSpc>
+              <a:spcBef>
+                <a:spcPts val="0"/>
+              </a:spcBef>
+              <a:spcAft>
+                <a:spcPts val="0"/>
+              </a:spcAft>
+            </a:pPr>
+            <a:r>
+              <a:rPr lang="en-US" b="1" dirty="0" err="1">
+                <a:solidFill>
+                  <a:srgbClr val="000000"/>
+                </a:solidFill>
+                <a:latin typeface="+mj-lt"/>
+                <a:ea typeface="Calibri" panose="020F0502020204030204" pitchFamily="34" charset="0"/>
+              </a:rPr>
+              <a:t>create_stack</a:t>
+            </a:r>
+            <a:r>
+              <a:rPr lang="en-US" b="1" dirty="0">
+                <a:solidFill>
+                  <a:srgbClr val="000000"/>
+                </a:solidFill>
+                <a:latin typeface="+mj-lt"/>
+                <a:ea typeface="Calibri" panose="020F0502020204030204" pitchFamily="34" charset="0"/>
+              </a:rPr>
+              <a:t>(inbox)</a:t>
+            </a:r>
+          </a:p>
+          <a:p>
+            <a:pPr algn="l" rtl="0">
+              <a:lnSpc>
+                <a:spcPct val="107000"/>
+              </a:lnSpc>
+            </a:pPr>
+            <a:r>
+              <a:rPr lang="en-US" b="1" dirty="0" err="1">
+                <a:solidFill>
+                  <a:srgbClr val="000000"/>
+                </a:solidFill>
+                <a:ea typeface="Calibri" panose="020F0502020204030204" pitchFamily="34" charset="0"/>
+              </a:rPr>
+              <a:t>create_stack</a:t>
+            </a:r>
+            <a:r>
+              <a:rPr lang="en-US" b="1" dirty="0">
+                <a:solidFill>
+                  <a:srgbClr val="000000"/>
+                </a:solidFill>
+                <a:ea typeface="Calibri" panose="020F0502020204030204" pitchFamily="34" charset="0"/>
+              </a:rPr>
+              <a:t>(outbox)</a:t>
+            </a:r>
+            <a:endParaRPr lang="en-US" b="1" dirty="0">
+              <a:solidFill>
+                <a:srgbClr val="000000"/>
+              </a:solidFill>
+              <a:latin typeface="+mj-lt"/>
+              <a:ea typeface="Calibri" panose="020F0502020204030204" pitchFamily="34" charset="0"/>
+            </a:endParaRPr>
+          </a:p>
+          <a:p>
+            <a:pPr algn="l" rtl="0">
+              <a:lnSpc>
+                <a:spcPct val="107000"/>
+              </a:lnSpc>
+            </a:pPr>
+            <a:endParaRPr lang="en-US" b="1" dirty="0">
+              <a:solidFill>
+                <a:srgbClr val="000000"/>
+              </a:solidFill>
+              <a:latin typeface="+mj-lt"/>
+              <a:ea typeface="Calibri" panose="020F0502020204030204" pitchFamily="34" charset="0"/>
+            </a:endParaRPr>
+          </a:p>
+          <a:p>
+            <a:pPr algn="l" rtl="0">
+              <a:lnSpc>
+                <a:spcPct val="107000"/>
+              </a:lnSpc>
+            </a:pPr>
+            <a:r>
+              <a:rPr lang="en-US" b="1" dirty="0">
+                <a:solidFill>
+                  <a:srgbClr val="000000"/>
+                </a:solidFill>
+                <a:latin typeface="+mj-lt"/>
+                <a:ea typeface="Calibri" panose="020F0502020204030204" pitchFamily="34" charset="0"/>
+              </a:rPr>
+              <a:t>enqueue(x):</a:t>
+            </a:r>
+            <a:r>
+              <a:rPr lang="ru-RU" b="1" dirty="0">
+                <a:solidFill>
+                  <a:srgbClr val="000000"/>
+                </a:solidFill>
+                <a:latin typeface="+mj-lt"/>
+                <a:ea typeface="Calibri" panose="020F0502020204030204" pitchFamily="34" charset="0"/>
+              </a:rPr>
+              <a:t> </a:t>
+            </a:r>
+            <a:r>
+              <a:rPr lang="en-US" b="1" dirty="0">
+                <a:solidFill>
+                  <a:srgbClr val="000000"/>
+                </a:solidFill>
+                <a:latin typeface="+mj-lt"/>
+                <a:ea typeface="Calibri" panose="020F0502020204030204" pitchFamily="34" charset="0"/>
+              </a:rPr>
+              <a:t>push(inbox, x)</a:t>
+            </a:r>
+            <a:endParaRPr lang="ru-RU" b="1" dirty="0">
+              <a:solidFill>
+                <a:srgbClr val="000000"/>
+              </a:solidFill>
+              <a:latin typeface="+mj-lt"/>
+              <a:ea typeface="Calibri" panose="020F0502020204030204" pitchFamily="34" charset="0"/>
+            </a:endParaRPr>
+          </a:p>
+          <a:p>
+            <a:pPr algn="l" rtl="0">
+              <a:lnSpc>
+                <a:spcPct val="107000"/>
+              </a:lnSpc>
+            </a:pPr>
+            <a:endParaRPr lang="en-US" b="1" dirty="0">
+              <a:solidFill>
+                <a:srgbClr val="000000"/>
+              </a:solidFill>
+              <a:latin typeface="+mj-lt"/>
+              <a:ea typeface="Calibri" panose="020F0502020204030204" pitchFamily="34" charset="0"/>
+            </a:endParaRPr>
+          </a:p>
+          <a:p>
+            <a:pPr algn="l" rtl="0">
+              <a:lnSpc>
+                <a:spcPct val="107000"/>
+              </a:lnSpc>
+            </a:pPr>
+            <a:r>
+              <a:rPr lang="en-US" b="1" dirty="0" err="1">
+                <a:solidFill>
+                  <a:srgbClr val="000000"/>
+                </a:solidFill>
+                <a:latin typeface="+mj-lt"/>
+                <a:ea typeface="Calibri" panose="020F0502020204030204" pitchFamily="34" charset="0"/>
+              </a:rPr>
+              <a:t>queue_empty</a:t>
+            </a:r>
+            <a:r>
+              <a:rPr lang="ru-RU" b="1" dirty="0">
+                <a:solidFill>
+                  <a:srgbClr val="000000"/>
+                </a:solidFill>
+                <a:latin typeface="+mj-lt"/>
+                <a:ea typeface="Calibri" panose="020F0502020204030204" pitchFamily="34" charset="0"/>
+              </a:rPr>
+              <a:t>()</a:t>
+            </a:r>
+            <a:r>
+              <a:rPr lang="en-US" b="1" dirty="0">
+                <a:solidFill>
+                  <a:srgbClr val="000000"/>
+                </a:solidFill>
+                <a:latin typeface="+mj-lt"/>
+                <a:ea typeface="Calibri" panose="020F0502020204030204" pitchFamily="34" charset="0"/>
+              </a:rPr>
+              <a:t>: return </a:t>
+            </a:r>
+            <a:r>
+              <a:rPr lang="en-US" b="1" dirty="0" err="1">
+                <a:solidFill>
+                  <a:srgbClr val="000000"/>
+                </a:solidFill>
+                <a:ea typeface="Calibri" panose="020F0502020204030204" pitchFamily="34" charset="0"/>
+              </a:rPr>
+              <a:t>stack_empty</a:t>
+            </a:r>
+            <a:r>
+              <a:rPr lang="en-US" b="1" dirty="0">
+                <a:solidFill>
+                  <a:srgbClr val="000000"/>
+                </a:solidFill>
+                <a:ea typeface="Calibri" panose="020F0502020204030204" pitchFamily="34" charset="0"/>
+              </a:rPr>
+              <a:t>(inbox) and </a:t>
+            </a:r>
+            <a:r>
+              <a:rPr lang="en-US" b="1" dirty="0" err="1">
+                <a:solidFill>
+                  <a:srgbClr val="000000"/>
+                </a:solidFill>
+                <a:ea typeface="Calibri" panose="020F0502020204030204" pitchFamily="34" charset="0"/>
+              </a:rPr>
+              <a:t>stack_empty</a:t>
+            </a:r>
+            <a:r>
+              <a:rPr lang="en-US" b="1" dirty="0">
+                <a:solidFill>
+                  <a:srgbClr val="000000"/>
+                </a:solidFill>
+                <a:ea typeface="Calibri" panose="020F0502020204030204" pitchFamily="34" charset="0"/>
+              </a:rPr>
+              <a:t>(outbox)</a:t>
+            </a:r>
+            <a:endParaRPr lang="ru-RU" b="1" dirty="0">
+              <a:solidFill>
+                <a:srgbClr val="000000"/>
+              </a:solidFill>
+              <a:latin typeface="+mj-lt"/>
+              <a:ea typeface="Calibri" panose="020F0502020204030204" pitchFamily="34" charset="0"/>
+            </a:endParaRPr>
+          </a:p>
+          <a:p>
+            <a:pPr algn="l" rtl="0">
+              <a:lnSpc>
+                <a:spcPct val="107000"/>
+              </a:lnSpc>
+            </a:pPr>
+            <a:endParaRPr lang="en-US" b="1" dirty="0">
+              <a:solidFill>
+                <a:srgbClr val="000000"/>
+              </a:solidFill>
+              <a:latin typeface="+mj-lt"/>
+              <a:ea typeface="Calibri" panose="020F0502020204030204" pitchFamily="34" charset="0"/>
+            </a:endParaRPr>
+          </a:p>
+          <a:p>
+            <a:pPr algn="l" rtl="0">
+              <a:lnSpc>
+                <a:spcPct val="107000"/>
+              </a:lnSpc>
+            </a:pPr>
+            <a:r>
+              <a:rPr lang="en-US" b="1" dirty="0">
+                <a:solidFill>
+                  <a:srgbClr val="000000"/>
+                </a:solidFill>
+                <a:latin typeface="+mj-lt"/>
+                <a:ea typeface="Calibri" panose="020F0502020204030204" pitchFamily="34" charset="0"/>
+              </a:rPr>
+              <a:t>Dequeue():</a:t>
+            </a:r>
+          </a:p>
+          <a:p>
+            <a:pPr algn="l" rtl="0">
+              <a:lnSpc>
+                <a:spcPct val="107000"/>
+              </a:lnSpc>
+            </a:pPr>
+            <a:r>
+              <a:rPr lang="en-US" b="1" dirty="0">
+                <a:solidFill>
+                  <a:srgbClr val="000000"/>
+                </a:solidFill>
+                <a:latin typeface="+mj-lt"/>
+                <a:ea typeface="Calibri" panose="020F0502020204030204" pitchFamily="34" charset="0"/>
+              </a:rPr>
+              <a:t>	if </a:t>
+            </a:r>
+            <a:r>
+              <a:rPr lang="en-US" b="1" dirty="0" err="1">
+                <a:solidFill>
+                  <a:srgbClr val="000000"/>
+                </a:solidFill>
+                <a:latin typeface="+mj-lt"/>
+                <a:ea typeface="Calibri" panose="020F0502020204030204" pitchFamily="34" charset="0"/>
+              </a:rPr>
+              <a:t>stack_empty</a:t>
+            </a:r>
+            <a:r>
+              <a:rPr lang="en-US" b="1" dirty="0">
+                <a:solidFill>
+                  <a:srgbClr val="000000"/>
+                </a:solidFill>
+                <a:latin typeface="+mj-lt"/>
+                <a:ea typeface="Calibri" panose="020F0502020204030204" pitchFamily="34" charset="0"/>
+              </a:rPr>
+              <a:t>(outbox) then</a:t>
+            </a:r>
+          </a:p>
+          <a:p>
+            <a:pPr algn="l" rtl="0">
+              <a:lnSpc>
+                <a:spcPct val="107000"/>
+              </a:lnSpc>
+            </a:pPr>
+            <a:r>
+              <a:rPr lang="en-US" b="1" dirty="0">
+                <a:solidFill>
+                  <a:srgbClr val="000000"/>
+                </a:solidFill>
+                <a:latin typeface="+mj-lt"/>
+                <a:ea typeface="Calibri" panose="020F0502020204030204" pitchFamily="34" charset="0"/>
+              </a:rPr>
+              <a:t>		while not </a:t>
+            </a:r>
+            <a:r>
+              <a:rPr lang="en-US" b="1" dirty="0" err="1">
+                <a:solidFill>
+                  <a:srgbClr val="000000"/>
+                </a:solidFill>
+                <a:latin typeface="+mj-lt"/>
+                <a:ea typeface="Calibri" panose="020F0502020204030204" pitchFamily="34" charset="0"/>
+              </a:rPr>
+              <a:t>stack_empty</a:t>
+            </a:r>
+            <a:r>
+              <a:rPr lang="en-US" b="1" dirty="0">
+                <a:solidFill>
+                  <a:srgbClr val="000000"/>
+                </a:solidFill>
+                <a:latin typeface="+mj-lt"/>
+                <a:ea typeface="Calibri" panose="020F0502020204030204" pitchFamily="34" charset="0"/>
+              </a:rPr>
+              <a:t>(inbox) do</a:t>
+            </a:r>
+          </a:p>
+          <a:p>
+            <a:pPr algn="l" rtl="0">
+              <a:lnSpc>
+                <a:spcPct val="107000"/>
+              </a:lnSpc>
+            </a:pPr>
+            <a:r>
+              <a:rPr lang="en-US" b="1" dirty="0">
+                <a:solidFill>
+                  <a:srgbClr val="000000"/>
+                </a:solidFill>
+                <a:latin typeface="+mj-lt"/>
+                <a:ea typeface="Calibri" panose="020F0502020204030204" pitchFamily="34" charset="0"/>
+              </a:rPr>
+              <a:t>			push(outbox, pop(inbox))</a:t>
+            </a:r>
+          </a:p>
+          <a:p>
+            <a:pPr algn="l" rtl="0">
+              <a:lnSpc>
+                <a:spcPct val="107000"/>
+              </a:lnSpc>
+            </a:pPr>
+            <a:r>
+              <a:rPr lang="en-US" b="1" dirty="0">
+                <a:solidFill>
+                  <a:srgbClr val="000000"/>
+                </a:solidFill>
+                <a:latin typeface="+mj-lt"/>
+                <a:ea typeface="Calibri" panose="020F0502020204030204" pitchFamily="34" charset="0"/>
+              </a:rPr>
+              <a:t>	if </a:t>
+            </a:r>
+            <a:r>
+              <a:rPr lang="en-US" b="1" dirty="0" err="1">
+                <a:solidFill>
+                  <a:srgbClr val="000000"/>
+                </a:solidFill>
+                <a:ea typeface="Calibri" panose="020F0502020204030204" pitchFamily="34" charset="0"/>
+              </a:rPr>
+              <a:t>stack_empty</a:t>
+            </a:r>
+            <a:r>
+              <a:rPr lang="en-US" b="1" dirty="0">
+                <a:solidFill>
+                  <a:srgbClr val="000000"/>
+                </a:solidFill>
+                <a:ea typeface="Calibri" panose="020F0502020204030204" pitchFamily="34" charset="0"/>
+              </a:rPr>
+              <a:t>(outbox) then</a:t>
+            </a:r>
+          </a:p>
+          <a:p>
+            <a:pPr algn="l" rtl="0">
+              <a:lnSpc>
+                <a:spcPct val="107000"/>
+              </a:lnSpc>
+            </a:pPr>
+            <a:r>
+              <a:rPr lang="en-US" b="1" dirty="0">
+                <a:solidFill>
+                  <a:srgbClr val="000000"/>
+                </a:solidFill>
+                <a:ea typeface="Calibri" panose="020F0502020204030204" pitchFamily="34" charset="0"/>
+              </a:rPr>
+              <a:t>		error(”empty queue”)</a:t>
+            </a:r>
+          </a:p>
+          <a:p>
+            <a:pPr algn="l" rtl="0">
+              <a:lnSpc>
+                <a:spcPct val="107000"/>
+              </a:lnSpc>
+            </a:pPr>
+            <a:r>
+              <a:rPr lang="en-US" b="1" dirty="0">
+                <a:solidFill>
+                  <a:srgbClr val="000000"/>
+                </a:solidFill>
+                <a:ea typeface="Calibri" panose="020F0502020204030204" pitchFamily="34" charset="0"/>
+              </a:rPr>
+              <a:t>	else</a:t>
+            </a:r>
+          </a:p>
+          <a:p>
+            <a:pPr algn="l" rtl="0">
+              <a:lnSpc>
+                <a:spcPct val="107000"/>
+              </a:lnSpc>
+            </a:pPr>
+            <a:r>
+              <a:rPr lang="en-US" b="1" dirty="0">
+                <a:solidFill>
+                  <a:srgbClr val="000000"/>
+                </a:solidFill>
+                <a:ea typeface="Calibri" panose="020F0502020204030204" pitchFamily="34" charset="0"/>
+              </a:rPr>
+              <a:t>		return pop(outbox)</a:t>
+            </a:r>
+          </a:p>
+        </p:txBody>
+      </p:sp>
+    </p:spTree>
+    <p:extLst>
+      <p:ext uri="{BB962C8B-B14F-4D97-AF65-F5344CB8AC3E}">
+        <p14:creationId xmlns:p14="http://schemas.microsoft.com/office/powerpoint/2010/main" val="1166207539"/>
+      </p:ext>
+    </p:extLst>
+  </p:cSld>
+  <p:clrMapOvr>
+    <a:masterClrMapping/>
+  </p:clrMapOvr>
+</p:sld>
+</file>
+
+<file path=ppt/slides/slide18.xml><?xml version="1.0" encoding="utf-8"?>
+<p:sld xmlns:a="http://schemas.openxmlformats.org/drawingml/2006/main" xmlns:r="http://schemas.openxmlformats.org/officeDocument/2006/relationships" xmlns:p="http://schemas.openxmlformats.org/presentationml/2006/main">
+  <p:cSld>
+    <p:bg>
+      <p:bgPr>
+        <a:blipFill dpi="0" rotWithShape="1">
+          <a:blip r:embed="rId3">
+            <a:lum/>
+          </a:blip>
+          <a:srcRect/>
+          <a:stretch>
+            <a:fillRect/>
+          </a:stretch>
+        </a:blipFill>
+        <a:effectLst/>
+      </p:bgPr>
+    </p:bg>
+    <p:spTree>
+      <p:nvGrpSpPr>
         <p:cNvPr id="1" name=""/>
         <p:cNvGrpSpPr/>
         <p:nvPr/>
@@ -9574,92 +10452,88 @@
           <a:p>
             <a:pPr algn="l" rtl="0"/>
             <a:r>
-              <a:rPr lang="en-US" dirty="0"/>
+              <a:rPr lang="en-US" b="1" dirty="0"/>
               <a:t>function </a:t>
             </a:r>
             <a:r>
-              <a:rPr lang="en-US" dirty="0" err="1"/>
+              <a:rPr lang="en-US" b="1" dirty="0" err="1"/>
               <a:t>sumAndRemoveEvens</a:t>
             </a:r>
             <a:r>
-              <a:rPr lang="en-US" dirty="0"/>
+              <a:rPr lang="en-US" b="1" dirty="0"/>
               <a:t>(queue): </a:t>
             </a:r>
           </a:p>
           <a:p>
             <a:pPr algn="l" rtl="0"/>
             <a:r>
-              <a:rPr lang="en-US" dirty="0"/>
-              <a:t>	sum = 0 # Initialize the sum of even numbers </a:t>
+              <a:rPr lang="en-US" b="1" dirty="0"/>
+              <a:t>	sum = 0</a:t>
             </a:r>
           </a:p>
           <a:p>
             <a:pPr algn="l" rtl="0"/>
             <a:r>
-              <a:rPr lang="en-US" dirty="0"/>
+              <a:rPr lang="en-US" b="1" dirty="0"/>
               <a:t>	size = </a:t>
             </a:r>
             <a:r>
-              <a:rPr lang="en-US" dirty="0" err="1"/>
+              <a:rPr lang="en-US" b="1" dirty="0" err="1"/>
               <a:t>size_of</a:t>
             </a:r>
             <a:r>
-              <a:rPr lang="en-US" dirty="0"/>
-              <a:t>(queue) # Get the initial size of the queue</a:t>
+              <a:rPr lang="en-US" b="1" dirty="0"/>
+              <a:t>(queue) </a:t>
             </a:r>
           </a:p>
           <a:p>
             <a:pPr algn="l" rtl="0"/>
             <a:r>
-              <a:rPr lang="en-US" dirty="0"/>
+              <a:rPr lang="en-US" b="1" dirty="0"/>
               <a:t>	for </a:t>
             </a:r>
             <a:r>
-              <a:rPr lang="en-US" dirty="0" err="1"/>
+              <a:rPr lang="en-US" b="1" dirty="0" err="1"/>
               <a:t>i</a:t>
             </a:r>
             <a:r>
-              <a:rPr lang="en-US" dirty="0"/>
+              <a:rPr lang="en-US" b="1" dirty="0"/>
               <a:t> = 1 to size do: </a:t>
             </a:r>
           </a:p>
           <a:p>
             <a:pPr algn="l" rtl="0"/>
             <a:r>
-              <a:rPr lang="en-US" dirty="0"/>
+              <a:rPr lang="en-US" b="1" dirty="0"/>
               <a:t>		element = dequeue(queue)</a:t>
             </a:r>
           </a:p>
           <a:p>
             <a:pPr algn="l" rtl="0"/>
             <a:r>
-              <a:rPr lang="en-US" dirty="0"/>
+              <a:rPr lang="en-US" b="1" dirty="0"/>
               <a:t>		if element % 2 == 0 then:</a:t>
             </a:r>
           </a:p>
           <a:p>
             <a:pPr algn="l" rtl="0"/>
             <a:r>
-              <a:rPr lang="en-US" dirty="0"/>
+              <a:rPr lang="en-US" b="1" dirty="0"/>
               <a:t>			 sum = sum + element </a:t>
             </a:r>
           </a:p>
           <a:p>
             <a:pPr algn="l" rtl="0"/>
             <a:r>
-              <a:rPr lang="en-US" dirty="0"/>
+              <a:rPr lang="en-US" b="1" dirty="0"/>
               <a:t>		else: enqueue(queue, element) </a:t>
             </a:r>
           </a:p>
           <a:p>
             <a:pPr algn="l" rtl="0"/>
             <a:r>
-              <a:rPr lang="en-US"/>
-              <a:t>	return </a:t>
-            </a:r>
-            <a:r>
-              <a:rPr lang="en-US" dirty="0"/>
-              <a:t>sum    </a:t>
+              <a:rPr lang="en-US" b="1" dirty="0"/>
+              <a:t>	return sum    </a:t>
             </a:r>
           </a:p>
         </p:txBody>
@@ -9677,7 +10551,7 @@
 </p:sld>
 </file>
 
-<file path=ppt/slides/slide18.xml><?xml version="1.0" encoding="utf-8"?>
+<file path=ppt/slides/slide19.xml><?xml version="1.0" encoding="utf-8"?>
 <p:sld xmlns:a="http://schemas.openxmlformats.org/drawingml/2006/main" xmlns:r="http://schemas.openxmlformats.org/officeDocument/2006/relationships" xmlns:p="http://schemas.openxmlformats.org/presentationml/2006/main">
   <p:cSld>
     <p:bg>
